--- a/ProvaIntegrativaSCR.pptx
+++ b/ProvaIntegrativaSCR.pptx
@@ -1489,6 +1489,39 @@
       </p:sp>
       <p:sp>
         <p:nvSpPr>
+          <p:cNvPr id="2" name="Segnaposto testo 1">
+            <a:extLst>
+              <a:ext uri="{FF2B5EF4-FFF2-40B4-BE49-F238E27FC236}">
+                <a16:creationId xmlns:a16="http://schemas.microsoft.com/office/drawing/2014/main" id="{27DF021A-A9C6-5144-8B20-09C4D928AC48}"/>
+              </a:ext>
+            </a:extLst>
+          </p:cNvPr>
+          <p:cNvSpPr>
+            <a:spLocks noGrp="1"/>
+          </p:cNvSpPr>
+          <p:nvPr>
+            <p:ph type="body" sz="quarter" idx="12"/>
+          </p:nvPr>
+        </p:nvSpPr>
+        <p:spPr>
+          <a:xfrm>
+            <a:off x="4103196" y="6208113"/>
+            <a:ext cx="3985607" cy="624306"/>
+          </a:xfrm>
+          <a:solidFill>
+            <a:srgbClr val="213652"/>
+          </a:solidFill>
+        </p:spPr>
+        <p:txBody>
+          <a:bodyPr/>
+          <a:lstStyle/>
+          <a:p>
+            <a:endParaRPr lang="en-US" dirty="0"/>
+          </a:p>
+        </p:txBody>
+      </p:sp>
+      <p:sp>
+        <p:nvSpPr>
           <p:cNvPr id="12" name="Text Placeholder 11"/>
           <p:cNvSpPr>
             <a:spLocks noGrp="1"/>
@@ -2159,7 +2192,7 @@
         <p:spPr>
           <a:xfrm>
             <a:off x="5623035" y="1219199"/>
-            <a:ext cx="5507420" cy="3508653"/>
+            <a:ext cx="5507420" cy="3231654"/>
           </a:xfrm>
           <a:prstGeom prst="rect">
             <a:avLst/>
@@ -2302,16 +2335,7 @@
               </a:rPr>
               <a:t>Otherwise 1-Sa = Sab</a:t>
             </a:r>
-          </a:p>
-          <a:p>
-            <a:pPr marL="400050" indent="-400050">
-              <a:buFont typeface="+mj-lt"/>
-              <a:buAutoNum type="romanLcPeriod"/>
-            </a:pPr>
-            <a:r>
-              <a:rPr lang="en-US" noProof="0" dirty="0"/>
-              <a:t>Link deleted with a random neighbors</a:t>
-            </a:r>
+            <a:endParaRPr lang="en-US" noProof="0" dirty="0"/>
           </a:p>
           <a:p>
             <a:pPr marL="342900" indent="-342900">
@@ -3052,8 +3076,8 @@
           </a:p>
         </p:txBody>
       </p:sp>
-      <mc:AlternateContent xmlns:mc="http://schemas.openxmlformats.org/markup-compatibility/2006">
-        <mc:Choice xmlns:a14="http://schemas.microsoft.com/office/drawing/2010/main" Requires="a14">
+      <mc:AlternateContent xmlns:mc="http://schemas.openxmlformats.org/markup-compatibility/2006" xmlns:a14="http://schemas.microsoft.com/office/drawing/2010/main">
+        <mc:Choice Requires="a14">
           <p:sp>
             <p:nvSpPr>
               <p:cNvPr id="15" name="TextBox 14">
@@ -3118,7 +3142,7 @@
             </p:txBody>
           </p:sp>
         </mc:Choice>
-        <mc:Fallback>
+        <mc:Fallback xmlns="">
           <p:sp>
             <p:nvSpPr>
               <p:cNvPr id="15" name="TextBox 14">
@@ -3163,8 +3187,8 @@
           </p:sp>
         </mc:Fallback>
       </mc:AlternateContent>
-      <mc:AlternateContent xmlns:mc="http://schemas.openxmlformats.org/markup-compatibility/2006">
-        <mc:Choice xmlns:a14="http://schemas.microsoft.com/office/drawing/2010/main" Requires="a14">
+      <mc:AlternateContent xmlns:mc="http://schemas.openxmlformats.org/markup-compatibility/2006" xmlns:a14="http://schemas.microsoft.com/office/drawing/2010/main">
+        <mc:Choice Requires="a14">
           <p:sp>
             <p:nvSpPr>
               <p:cNvPr id="16" name="TextBox 15">
@@ -3229,7 +3253,7 @@
             </p:txBody>
           </p:sp>
         </mc:Choice>
-        <mc:Fallback>
+        <mc:Fallback xmlns="">
           <p:sp>
             <p:nvSpPr>
               <p:cNvPr id="16" name="TextBox 15">
@@ -3444,8 +3468,8 @@
           </a:prstGeom>
         </p:spPr>
       </p:pic>
-      <mc:AlternateContent xmlns:mc="http://schemas.openxmlformats.org/markup-compatibility/2006">
-        <mc:Choice xmlns:a14="http://schemas.microsoft.com/office/drawing/2010/main" Requires="a14">
+      <mc:AlternateContent xmlns:mc="http://schemas.openxmlformats.org/markup-compatibility/2006" xmlns:a14="http://schemas.microsoft.com/office/drawing/2010/main">
+        <mc:Choice Requires="a14">
           <p:sp>
             <p:nvSpPr>
               <p:cNvPr id="17" name="TextBox 16">
@@ -3557,7 +3581,7 @@
             </p:txBody>
           </p:sp>
         </mc:Choice>
-        <mc:Fallback>
+        <mc:Fallback xmlns="">
           <p:sp>
             <p:nvSpPr>
               <p:cNvPr id="17" name="TextBox 16">
@@ -3660,7 +3684,15 @@
             </a:r>
             <a:r>
               <a:rPr lang="en-US" noProof="0" dirty="0"/>
-              <a:t> alone can improve core periphery distinction</a:t>
+              <a:t> can improve core periphery distinction ( c = 0.95, </a:t>
+            </a:r>
+            <a:r>
+              <a:rPr lang="en-US" noProof="0" dirty="0" err="1"/>
+              <a:t>na</a:t>
+            </a:r>
+            <a:r>
+              <a:rPr lang="en-US" noProof="0" dirty="0"/>
+              <a:t> = Na/N = 0.5)</a:t>
             </a:r>
           </a:p>
           <a:p>
@@ -4400,7 +4432,7 @@
         <p:spPr>
           <a:xfrm>
             <a:off x="94845" y="1342520"/>
-            <a:ext cx="10333955" cy="4247317"/>
+            <a:ext cx="10333955" cy="3970318"/>
           </a:xfrm>
           <a:prstGeom prst="rect">
             <a:avLst/>
@@ -4533,15 +4565,11 @@
             </a:r>
             <a:r>
               <a:rPr lang="en-US" b="1" dirty="0"/>
-              <a:t>growing:</a:t>
-            </a:r>
-            <a:r>
-              <a:rPr lang="en-US" dirty="0"/>
-              <a:t> </a:t>
-            </a:r>
-            <a:r>
-              <a:rPr lang="en-US" noProof="0" dirty="0"/>
-              <a:t>Small assortative but with high preferential attachment can lead minority group to became core</a:t>
+              <a:t>growing: </a:t>
+            </a:r>
+            <a:r>
+              <a:rPr lang="en-US" noProof="0" dirty="0"/>
+              <a:t>high preferential attachment can lead minority group to became core</a:t>
             </a:r>
           </a:p>
           <a:p>

--- a/ProvaIntegrativaSCR.pptx
+++ b/ProvaIntegrativaSCR.pptx
@@ -206,7 +206,7 @@
           <a:p>
             <a:fld id="{EA8FC050-9C1D-4A44-B4C3-0E30B77BCAC1}" type="datetimeFigureOut">
               <a:rPr lang="it-IT" smtClean="0"/>
-              <a:t>08/02/2025</a:t>
+              <a:t>11/02/2025</a:t>
             </a:fld>
             <a:endParaRPr lang="it-IT"/>
           </a:p>
@@ -1432,28 +1432,30 @@
             <p:ph type="title"/>
           </p:nvPr>
         </p:nvSpPr>
-        <p:spPr/>
-        <p:txBody>
-          <a:bodyPr/>
+        <p:spPr>
+          <a:xfrm>
+            <a:off x="838200" y="2441055"/>
+            <a:ext cx="10515600" cy="1968385"/>
+          </a:xfrm>
+        </p:spPr>
+        <p:txBody>
+          <a:bodyPr>
+            <a:normAutofit/>
+          </a:bodyPr>
           <a:lstStyle/>
           <a:p>
             <a:r>
               <a:rPr lang="en-US" noProof="0" dirty="0"/>
-              <a:t>«Assortative and preferential attachment leads to core periphery» </a:t>
+              <a:t>«Assortative and preferential attachment leads to core periphery» Torres, L., </a:t>
             </a:r>
             <a:r>
               <a:rPr lang="en-US" noProof="0" dirty="0" err="1"/>
-              <a:t>Prova</a:t>
-            </a:r>
-            <a:r>
-              <a:rPr lang="en-US" noProof="0" dirty="0"/>
-              <a:t> </a:t>
-            </a:r>
-            <a:r>
-              <a:rPr lang="en-US" noProof="0" dirty="0" err="1"/>
-              <a:t>Integrativa</a:t>
-            </a:r>
-            <a:endParaRPr lang="en-US" noProof="0" dirty="0"/>
+              <a:t>Puggini</a:t>
+            </a:r>
+            <a:r>
+              <a:rPr lang="en-US" noProof="0" dirty="0"/>
+              <a:t>, L., &amp; Moreno, V. (2023)</a:t>
+            </a:r>
           </a:p>
         </p:txBody>
       </p:sp>
